--- a/Session08-link prediction.pptx
+++ b/Session08-link prediction.pptx
@@ -200,7 +200,7 @@
           <a:p>
             <a:fld id="{1D2BCCBF-22CC-E94C-81B1-A6A3943A1417}" type="datetimeFigureOut">
               <a:rPr lang="en-US" smtClean="0"/>
-              <a:t>3/27/20</a:t>
+              <a:t>4/6/20</a:t>
             </a:fld>
             <a:endParaRPr lang="en-US"/>
           </a:p>
@@ -698,7 +698,7 @@
           <a:p>
             <a:fld id="{9975CADB-DAF7-994D-8276-3861CF05D58A}" type="datetimeFigureOut">
               <a:rPr lang="en-US" smtClean="0"/>
-              <a:t>3/27/20</a:t>
+              <a:t>4/6/20</a:t>
             </a:fld>
             <a:endParaRPr lang="en-US"/>
           </a:p>
@@ -896,7 +896,7 @@
           <a:p>
             <a:fld id="{9975CADB-DAF7-994D-8276-3861CF05D58A}" type="datetimeFigureOut">
               <a:rPr lang="en-US" smtClean="0"/>
-              <a:t>3/27/20</a:t>
+              <a:t>4/6/20</a:t>
             </a:fld>
             <a:endParaRPr lang="en-US"/>
           </a:p>
@@ -1104,7 +1104,7 @@
           <a:p>
             <a:fld id="{9975CADB-DAF7-994D-8276-3861CF05D58A}" type="datetimeFigureOut">
               <a:rPr lang="en-US" smtClean="0"/>
-              <a:t>3/27/20</a:t>
+              <a:t>4/6/20</a:t>
             </a:fld>
             <a:endParaRPr lang="en-US"/>
           </a:p>
@@ -1302,7 +1302,7 @@
           <a:p>
             <a:fld id="{9975CADB-DAF7-994D-8276-3861CF05D58A}" type="datetimeFigureOut">
               <a:rPr lang="en-US" smtClean="0"/>
-              <a:t>3/27/20</a:t>
+              <a:t>4/6/20</a:t>
             </a:fld>
             <a:endParaRPr lang="en-US"/>
           </a:p>
@@ -1577,7 +1577,7 @@
           <a:p>
             <a:fld id="{9975CADB-DAF7-994D-8276-3861CF05D58A}" type="datetimeFigureOut">
               <a:rPr lang="en-US" smtClean="0"/>
-              <a:t>3/27/20</a:t>
+              <a:t>4/6/20</a:t>
             </a:fld>
             <a:endParaRPr lang="en-US"/>
           </a:p>
@@ -1842,7 +1842,7 @@
           <a:p>
             <a:fld id="{9975CADB-DAF7-994D-8276-3861CF05D58A}" type="datetimeFigureOut">
               <a:rPr lang="en-US" smtClean="0"/>
-              <a:t>3/27/20</a:t>
+              <a:t>4/6/20</a:t>
             </a:fld>
             <a:endParaRPr lang="en-US"/>
           </a:p>
@@ -2254,7 +2254,7 @@
           <a:p>
             <a:fld id="{9975CADB-DAF7-994D-8276-3861CF05D58A}" type="datetimeFigureOut">
               <a:rPr lang="en-US" smtClean="0"/>
-              <a:t>3/27/20</a:t>
+              <a:t>4/6/20</a:t>
             </a:fld>
             <a:endParaRPr lang="en-US"/>
           </a:p>
@@ -2395,7 +2395,7 @@
           <a:p>
             <a:fld id="{9975CADB-DAF7-994D-8276-3861CF05D58A}" type="datetimeFigureOut">
               <a:rPr lang="en-US" smtClean="0"/>
-              <a:t>3/27/20</a:t>
+              <a:t>4/6/20</a:t>
             </a:fld>
             <a:endParaRPr lang="en-US"/>
           </a:p>
@@ -2508,7 +2508,7 @@
           <a:p>
             <a:fld id="{9975CADB-DAF7-994D-8276-3861CF05D58A}" type="datetimeFigureOut">
               <a:rPr lang="en-US" smtClean="0"/>
-              <a:t>3/27/20</a:t>
+              <a:t>4/6/20</a:t>
             </a:fld>
             <a:endParaRPr lang="en-US"/>
           </a:p>
@@ -2819,7 +2819,7 @@
           <a:p>
             <a:fld id="{9975CADB-DAF7-994D-8276-3861CF05D58A}" type="datetimeFigureOut">
               <a:rPr lang="en-US" smtClean="0"/>
-              <a:t>3/27/20</a:t>
+              <a:t>4/6/20</a:t>
             </a:fld>
             <a:endParaRPr lang="en-US"/>
           </a:p>
@@ -3107,7 +3107,7 @@
           <a:p>
             <a:fld id="{9975CADB-DAF7-994D-8276-3861CF05D58A}" type="datetimeFigureOut">
               <a:rPr lang="en-US" smtClean="0"/>
-              <a:t>3/27/20</a:t>
+              <a:t>4/6/20</a:t>
             </a:fld>
             <a:endParaRPr lang="en-US"/>
           </a:p>
@@ -3348,7 +3348,7 @@
           <a:p>
             <a:fld id="{9975CADB-DAF7-994D-8276-3861CF05D58A}" type="datetimeFigureOut">
               <a:rPr lang="en-US" smtClean="0"/>
-              <a:t>3/27/20</a:t>
+              <a:t>4/6/20</a:t>
             </a:fld>
             <a:endParaRPr lang="en-US"/>
           </a:p>
@@ -4033,7 +4033,7 @@
             </a:pPr>
             <a:r>
               <a:rPr lang="en-US" dirty="0"/>
-              <a:t>Calculate node embeddings with Graph convolution network.</a:t>
+              <a:t>Use a encoder network to calculate node embeddings with Graph convolution network.</a:t>
             </a:r>
           </a:p>
           <a:p>
@@ -4042,7 +4042,7 @@
             </a:pPr>
             <a:r>
               <a:rPr lang="en-US" dirty="0"/>
-              <a:t>Predict link label with node embeddings.</a:t>
+              <a:t>Use a decoder network to predict link label with node embeddings.</a:t>
             </a:r>
           </a:p>
         </p:txBody>
@@ -4278,7 +4278,7 @@
                   <a:schemeClr val="tx1"/>
                 </a:solidFill>
               </a:rPr>
-              <a:t>u0</a:t>
+              <a:t>u1</a:t>
             </a:r>
           </a:p>
         </p:txBody>
@@ -4337,7 +4337,7 @@
                   <a:schemeClr val="tx1"/>
                 </a:solidFill>
               </a:rPr>
-              <a:t>u0</a:t>
+              <a:t>u7</a:t>
             </a:r>
           </a:p>
         </p:txBody>
@@ -4396,7 +4396,7 @@
                   <a:schemeClr val="tx1"/>
                 </a:solidFill>
               </a:rPr>
-              <a:t>u0</a:t>
+              <a:t>u6</a:t>
             </a:r>
           </a:p>
         </p:txBody>
@@ -4455,7 +4455,7 @@
                   <a:schemeClr val="tx1"/>
                 </a:solidFill>
               </a:rPr>
-              <a:t>u0</a:t>
+              <a:t>u5</a:t>
             </a:r>
           </a:p>
         </p:txBody>
@@ -4514,7 +4514,7 @@
                   <a:schemeClr val="tx1"/>
                 </a:solidFill>
               </a:rPr>
-              <a:t>u0</a:t>
+              <a:t>u4</a:t>
             </a:r>
           </a:p>
         </p:txBody>
@@ -4573,7 +4573,7 @@
                   <a:schemeClr val="tx1"/>
                 </a:solidFill>
               </a:rPr>
-              <a:t>u0</a:t>
+              <a:t>u3</a:t>
             </a:r>
           </a:p>
         </p:txBody>
@@ -4632,7 +4632,7 @@
                   <a:schemeClr val="tx1"/>
                 </a:solidFill>
               </a:rPr>
-              <a:t>u0</a:t>
+              <a:t>u2</a:t>
             </a:r>
           </a:p>
         </p:txBody>
@@ -4750,7 +4750,7 @@
                   <a:schemeClr val="tx1"/>
                 </a:solidFill>
               </a:rPr>
-              <a:t>i0</a:t>
+              <a:t>i1</a:t>
             </a:r>
           </a:p>
         </p:txBody>
@@ -4809,7 +4809,7 @@
                   <a:schemeClr val="tx1"/>
                 </a:solidFill>
               </a:rPr>
-              <a:t>i0</a:t>
+              <a:t>i7</a:t>
             </a:r>
           </a:p>
         </p:txBody>
@@ -4868,7 +4868,7 @@
                   <a:schemeClr val="tx1"/>
                 </a:solidFill>
               </a:rPr>
-              <a:t>i0</a:t>
+              <a:t>i6</a:t>
             </a:r>
           </a:p>
         </p:txBody>
@@ -4927,7 +4927,7 @@
                   <a:schemeClr val="tx1"/>
                 </a:solidFill>
               </a:rPr>
-              <a:t>i0</a:t>
+              <a:t>i5</a:t>
             </a:r>
           </a:p>
         </p:txBody>
@@ -4986,7 +4986,7 @@
                   <a:schemeClr val="tx1"/>
                 </a:solidFill>
               </a:rPr>
-              <a:t>i0</a:t>
+              <a:t>i4</a:t>
             </a:r>
           </a:p>
         </p:txBody>
@@ -5045,7 +5045,7 @@
                   <a:schemeClr val="tx1"/>
                 </a:solidFill>
               </a:rPr>
-              <a:t>i0</a:t>
+              <a:t>i3</a:t>
             </a:r>
           </a:p>
         </p:txBody>
@@ -5104,7 +5104,7 @@
                   <a:schemeClr val="tx1"/>
                 </a:solidFill>
               </a:rPr>
-              <a:t>i0</a:t>
+              <a:t>i2</a:t>
             </a:r>
           </a:p>
         </p:txBody>
